--- a/hra-s-kody (1).pptx
+++ b/hra-s-kody (1).pptx
@@ -216,7 +216,7 @@
           <a:effectLst/>
           <a:extLst>
             <a:ext uri="{91240B29-F687-4f45-9708-019B960494DF}">
-              <a14:hiddenLine xmlns:a14="http://schemas.microsoft.com/office/drawing/2010/main" xmlns="" w="9525">
+              <a14:hiddenLine xmlns="" xmlns:a14="http://schemas.microsoft.com/office/drawing/2010/main" w="9525">
                 <a:solidFill>
                   <a:srgbClr val="000000"/>
                 </a:solidFill>
@@ -409,7 +409,7 @@
             <a:fld id="{08B9EBBA-996F-894A-B54A-D6246ED52CEA}" type="datetimeFigureOut">
               <a:rPr lang="en-US" dirty="0"/>
               <a:pPr/>
-              <a:t>10/10/2024</a:t>
+              <a:t>10/24/2024</a:t>
             </a:fld>
             <a:endParaRPr lang="en-US" dirty="0"/>
           </a:p>
@@ -724,7 +724,7 @@
             <a:fld id="{18C79C5D-2A6F-F04D-97DA-BEF2467B64E4}" type="datetimeFigureOut">
               <a:rPr lang="en-US" dirty="0"/>
               <a:pPr/>
-              <a:t>10/10/2024</a:t>
+              <a:t>10/24/2024</a:t>
             </a:fld>
             <a:endParaRPr lang="en-US" dirty="0"/>
           </a:p>
@@ -1209,7 +1209,7 @@
             <a:fld id="{8DFA1846-DA80-1C48-A609-854EA85C59AD}" type="datetimeFigureOut">
               <a:rPr lang="en-US" dirty="0"/>
               <a:pPr/>
-              <a:t>10/10/2024</a:t>
+              <a:t>10/24/2024</a:t>
             </a:fld>
             <a:endParaRPr lang="en-US" dirty="0"/>
           </a:p>
@@ -1575,7 +1575,7 @@
             <a:fld id="{FBF54567-0DE4-3F47-BF90-CB84690072F9}" type="datetimeFigureOut">
               <a:rPr lang="en-US" dirty="0"/>
               <a:pPr/>
-              <a:t>10/10/2024</a:t>
+              <a:t>10/24/2024</a:t>
             </a:fld>
             <a:endParaRPr lang="en-US" dirty="0"/>
           </a:p>
@@ -1726,7 +1726,7 @@
           <a:ln/>
           <a:extLst>
             <a:ext uri="{91240B29-F687-4f45-9708-019B960494DF}">
-              <a14:hiddenLine xmlns:a14="http://schemas.microsoft.com/office/drawing/2010/main" xmlns="" w="9525">
+              <a14:hiddenLine xmlns="" xmlns:a14="http://schemas.microsoft.com/office/drawing/2010/main" w="9525">
                 <a:solidFill>
                   <a:srgbClr val="000000"/>
                 </a:solidFill>
@@ -1845,7 +1845,7 @@
             <a:fld id="{C6C52C72-DE31-F449-A4ED-4C594FD91407}" type="datetimeFigureOut">
               <a:rPr lang="en-US" dirty="0"/>
               <a:pPr/>
-              <a:t>10/10/2024</a:t>
+              <a:t>10/24/2024</a:t>
             </a:fld>
             <a:endParaRPr lang="en-US" dirty="0"/>
           </a:p>
@@ -1998,7 +1998,7 @@
           <a:ln/>
           <a:extLst>
             <a:ext uri="{91240B29-F687-4f45-9708-019B960494DF}">
-              <a14:hiddenLine xmlns:a14="http://schemas.microsoft.com/office/drawing/2010/main" xmlns="" w="9525">
+              <a14:hiddenLine xmlns="" xmlns:a14="http://schemas.microsoft.com/office/drawing/2010/main" w="9525">
                 <a:solidFill>
                   <a:srgbClr val="000000"/>
                 </a:solidFill>
@@ -2127,7 +2127,7 @@
             <a:fld id="{ED62726E-379B-B349-9EED-81ED093FA806}" type="datetimeFigureOut">
               <a:rPr lang="en-US" dirty="0"/>
               <a:pPr/>
-              <a:t>10/10/2024</a:t>
+              <a:t>10/24/2024</a:t>
             </a:fld>
             <a:endParaRPr lang="en-US" dirty="0"/>
           </a:p>
@@ -2278,7 +2278,7 @@
           <a:ln/>
           <a:extLst>
             <a:ext uri="{91240B29-F687-4f45-9708-019B960494DF}">
-              <a14:hiddenLine xmlns:a14="http://schemas.microsoft.com/office/drawing/2010/main" xmlns="" w="9525">
+              <a14:hiddenLine xmlns="" xmlns:a14="http://schemas.microsoft.com/office/drawing/2010/main" w="9525">
                 <a:solidFill>
                   <a:srgbClr val="000000"/>
                 </a:solidFill>
@@ -2407,7 +2407,7 @@
             <a:fld id="{9B3A1323-8D79-1946-B0D7-40001CF92E9D}" type="datetimeFigureOut">
               <a:rPr lang="en-US" dirty="0"/>
               <a:pPr/>
-              <a:t>10/10/2024</a:t>
+              <a:t>10/24/2024</a:t>
             </a:fld>
             <a:endParaRPr lang="en-US" dirty="0"/>
           </a:p>
@@ -2747,7 +2747,7 @@
             <a:fld id="{8DFA1846-DA80-1C48-A609-854EA85C59AD}" type="datetimeFigureOut">
               <a:rPr lang="en-US" dirty="0"/>
               <a:pPr/>
-              <a:t>10/10/2024</a:t>
+              <a:t>10/24/2024</a:t>
             </a:fld>
             <a:endParaRPr lang="en-US" dirty="0"/>
           </a:p>
@@ -2898,7 +2898,7 @@
           <a:ln/>
           <a:extLst>
             <a:ext uri="{91240B29-F687-4f45-9708-019B960494DF}">
-              <a14:hiddenLine xmlns:a14="http://schemas.microsoft.com/office/drawing/2010/main" xmlns="" w="9525">
+              <a14:hiddenLine xmlns="" xmlns:a14="http://schemas.microsoft.com/office/drawing/2010/main" w="9525">
                 <a:solidFill>
                   <a:srgbClr val="000000"/>
                 </a:solidFill>
@@ -3083,7 +3083,7 @@
             <a:fld id="{57302355-E14B-8545-A8F8-0FE83CC9D524}" type="datetimeFigureOut">
               <a:rPr lang="en-US" dirty="0"/>
               <a:pPr/>
-              <a:t>10/10/2024</a:t>
+              <a:t>10/24/2024</a:t>
             </a:fld>
             <a:endParaRPr lang="en-US" dirty="0"/>
           </a:p>
@@ -3234,7 +3234,7 @@
           <a:ln/>
           <a:extLst>
             <a:ext uri="{91240B29-F687-4f45-9708-019B960494DF}">
-              <a14:hiddenLine xmlns:a14="http://schemas.microsoft.com/office/drawing/2010/main" xmlns="" w="9525">
+              <a14:hiddenLine xmlns="" xmlns:a14="http://schemas.microsoft.com/office/drawing/2010/main" w="9525">
                 <a:solidFill>
                   <a:srgbClr val="000000"/>
                 </a:solidFill>
@@ -3557,7 +3557,7 @@
             <a:fld id="{02640F58-564D-2B4F-AE67-E407BA4FCF45}" type="datetimeFigureOut">
               <a:rPr lang="en-US" dirty="0"/>
               <a:pPr/>
-              <a:t>10/10/2024</a:t>
+              <a:t>10/24/2024</a:t>
             </a:fld>
             <a:endParaRPr lang="en-US" dirty="0"/>
           </a:p>
@@ -3708,7 +3708,7 @@
           <a:ln/>
           <a:extLst>
             <a:ext uri="{91240B29-F687-4f45-9708-019B960494DF}">
-              <a14:hiddenLine xmlns:a14="http://schemas.microsoft.com/office/drawing/2010/main" xmlns="" w="9525">
+              <a14:hiddenLine xmlns="" xmlns:a14="http://schemas.microsoft.com/office/drawing/2010/main" w="9525">
                 <a:solidFill>
                   <a:srgbClr val="000000"/>
                 </a:solidFill>
@@ -3775,7 +3775,7 @@
             <a:fld id="{F13A34C8-038E-2045-AF43-DF7DBB8E0E9E}" type="datetimeFigureOut">
               <a:rPr lang="en-US" dirty="0"/>
               <a:pPr/>
-              <a:t>10/10/2024</a:t>
+              <a:t>10/24/2024</a:t>
             </a:fld>
             <a:endParaRPr lang="en-US" dirty="0"/>
           </a:p>
@@ -3867,7 +3867,7 @@
             <a:fld id="{8818C68F-D26B-8F47-958C-23B49CF8A634}" type="datetimeFigureOut">
               <a:rPr lang="en-US" dirty="0"/>
               <a:pPr/>
-              <a:t>10/10/2024</a:t>
+              <a:t>10/24/2024</a:t>
             </a:fld>
             <a:endParaRPr lang="en-US" dirty="0"/>
           </a:p>
@@ -4131,7 +4131,7 @@
           <a:ln/>
           <a:extLst>
             <a:ext uri="{91240B29-F687-4f45-9708-019B960494DF}">
-              <a14:hiddenLine xmlns:a14="http://schemas.microsoft.com/office/drawing/2010/main" xmlns="" w="9525">
+              <a14:hiddenLine xmlns="" xmlns:a14="http://schemas.microsoft.com/office/drawing/2010/main" w="9525">
                 <a:solidFill>
                   <a:srgbClr val="000000"/>
                 </a:solidFill>
@@ -4331,7 +4331,7 @@
             <a:fld id="{D0DF5E60-9974-AC48-9591-99C2BB44B7CF}" type="datetimeFigureOut">
               <a:rPr lang="en-US" dirty="0"/>
               <a:pPr/>
-              <a:t>10/10/2024</a:t>
+              <a:t>10/24/2024</a:t>
             </a:fld>
             <a:endParaRPr lang="en-US" dirty="0"/>
           </a:p>
@@ -4641,7 +4641,7 @@
             <a:fld id="{18C79C5D-2A6F-F04D-97DA-BEF2467B64E4}" type="datetimeFigureOut">
               <a:rPr lang="en-US" dirty="0"/>
               <a:pPr/>
-              <a:t>10/10/2024</a:t>
+              <a:t>10/24/2024</a:t>
             </a:fld>
             <a:endParaRPr lang="en-US" dirty="0"/>
           </a:p>
@@ -4908,7 +4908,7 @@
             <a:fld id="{09B482E8-6E0E-1B4F-B1FD-C69DB9E858D9}" type="datetimeFigureOut">
               <a:rPr lang="en-US" dirty="0"/>
               <a:pPr/>
-              <a:t>10/10/2024</a:t>
+              <a:t>10/24/2024</a:t>
             </a:fld>
             <a:endParaRPr lang="en-US" dirty="0"/>
           </a:p>
@@ -5376,6 +5376,10 @@
             <a:r>
               <a:rPr lang="cs-CZ" sz="8000"/>
               <a:t> </a:t>
+            </a:r>
+            <a:r>
+              <a:rPr lang="cs-CZ"/>
+              <a:t/>
             </a:r>
             <a:br>
               <a:rPr lang="cs-CZ"/>
@@ -6483,7 +6487,7 @@
           <p:nvPr>
             <p:extLst>
               <p:ext uri="{D42A27DB-BD31-4B8C-83A1-F6EECF244321}">
-                <p14:modId xmlns:p14="http://schemas.microsoft.com/office/powerpoint/2010/main" val="2412608642"/>
+                <p14:modId xmlns:p14="http://schemas.microsoft.com/office/powerpoint/2010/main" val="3570416742"/>
               </p:ext>
             </p:extLst>
           </p:nvPr>
@@ -6558,7 +6562,7 @@
                     <a:lstStyle/>
                     <a:p>
                       <a:r>
-                        <a:rPr lang="cs-CZ">
+                        <a:rPr lang="cs-CZ" dirty="0">
                           <a:solidFill>
                             <a:schemeClr val="accent1">
                               <a:lumMod val="50000"/>
@@ -6568,9 +6572,18 @@
                         <a:t>8</a:t>
                       </a:r>
                       <a:r>
-                        <a:rPr lang="cs-CZ"/>
-                        <a:t> - ?</a:t>
+                        <a:rPr lang="cs-CZ" dirty="0"/>
+                        <a:t> - </a:t>
                       </a:r>
+                      <a:r>
+                        <a:rPr lang="cs-CZ" dirty="0" smtClean="0"/>
+                        <a:t>? </a:t>
+                      </a:r>
+                      <a:r>
+                        <a:rPr lang="cs-CZ" dirty="0" err="1" smtClean="0"/>
+                        <a:t>oktalová</a:t>
+                      </a:r>
+                      <a:endParaRPr lang="cs-CZ" dirty="0"/>
                     </a:p>
                   </a:txBody>
                   <a:tcPr/>
@@ -6581,7 +6594,7 @@
                     <a:lstStyle/>
                     <a:p>
                       <a:r>
-                        <a:rPr lang="cs-CZ">
+                        <a:rPr lang="cs-CZ" dirty="0">
                           <a:solidFill>
                             <a:schemeClr val="accent1">
                               <a:lumMod val="50000"/>
@@ -6591,9 +6604,14 @@
                         <a:t>10</a:t>
                       </a:r>
                       <a:r>
-                        <a:rPr lang="cs-CZ"/>
-                        <a:t> - ?</a:t>
+                        <a:rPr lang="cs-CZ" dirty="0"/>
+                        <a:t> - </a:t>
                       </a:r>
+                      <a:r>
+                        <a:rPr lang="cs-CZ" dirty="0" smtClean="0"/>
+                        <a:t>? decimální</a:t>
+                      </a:r>
+                      <a:endParaRPr lang="cs-CZ" dirty="0"/>
                     </a:p>
                   </a:txBody>
                   <a:tcPr/>
@@ -6604,7 +6622,7 @@
                     <a:lstStyle/>
                     <a:p>
                       <a:r>
-                        <a:rPr lang="cs-CZ" b="1">
+                        <a:rPr lang="cs-CZ" b="1" dirty="0">
                           <a:solidFill>
                             <a:schemeClr val="accent1">
                               <a:lumMod val="50000"/>
@@ -6614,9 +6632,18 @@
                         <a:t>16</a:t>
                       </a:r>
                       <a:r>
-                        <a:rPr lang="cs-CZ"/>
-                        <a:t> - ?</a:t>
+                        <a:rPr lang="cs-CZ" dirty="0"/>
+                        <a:t> - </a:t>
                       </a:r>
+                      <a:r>
+                        <a:rPr lang="cs-CZ" dirty="0" smtClean="0"/>
+                        <a:t>? </a:t>
+                      </a:r>
+                      <a:r>
+                        <a:rPr lang="cs-CZ" smtClean="0"/>
+                        <a:t>hexadecimální</a:t>
+                      </a:r>
+                      <a:endParaRPr lang="cs-CZ"/>
                     </a:p>
                   </a:txBody>
                   <a:tcPr/>
@@ -9857,15 +9884,6 @@
 </file>
 
 <file path=customXml/item1.xml><?xml version="1.0" encoding="utf-8"?>
-<?mso-contentType ?>
-<FormTemplates xmlns="http://schemas.microsoft.com/sharepoint/v3/contenttype/forms">
-  <Display>DocumentLibraryForm</Display>
-  <Edit>DocumentLibraryForm</Edit>
-  <New>DocumentLibraryForm</New>
-</FormTemplates>
-</file>
-
-<file path=customXml/item2.xml><?xml version="1.0" encoding="utf-8"?>
 <ct:contentTypeSchema xmlns:ct="http://schemas.microsoft.com/office/2006/metadata/contentType" xmlns:ma="http://schemas.microsoft.com/office/2006/metadata/properties/metaAttributes" ct:_="" ma:_="" ma:contentTypeName="Dokument" ma:contentTypeID="0x010100D9113F5FC79AD3498D7774AB3459075C" ma:contentTypeVersion="10" ma:contentTypeDescription="Vytvoří nový dokument" ma:contentTypeScope="" ma:versionID="0e5c38162a05f37db2c238781780e4b3">
   <xsd:schema xmlns:xsd="http://www.w3.org/2001/XMLSchema" xmlns:xs="http://www.w3.org/2001/XMLSchema" xmlns:p="http://schemas.microsoft.com/office/2006/metadata/properties" xmlns:ns2="35db346a-91aa-4991-b16a-9c8655b9be6b" xmlns:ns3="e4bb5cbf-8c83-42e4-bd5f-dafa26919686" targetNamespace="http://schemas.microsoft.com/office/2006/metadata/properties" ma:root="true" ma:fieldsID="2271c11df584d2e0243fb90f544296f3" ns2:_="" ns3:_="">
     <xsd:import namespace="35db346a-91aa-4991-b16a-9c8655b9be6b"/>
@@ -10054,6 +10072,15 @@
 </ct:contentTypeSchema>
 </file>
 
+<file path=customXml/item2.xml><?xml version="1.0" encoding="utf-8"?>
+<?mso-contentType ?>
+<FormTemplates xmlns="http://schemas.microsoft.com/sharepoint/v3/contenttype/forms">
+  <Display>DocumentLibraryForm</Display>
+  <Edit>DocumentLibraryForm</Edit>
+  <New>DocumentLibraryForm</New>
+</FormTemplates>
+</file>
+
 <file path=customXml/item3.xml><?xml version="1.0" encoding="utf-8"?>
 <p:properties xmlns:p="http://schemas.microsoft.com/office/2006/metadata/properties" xmlns:xsi="http://www.w3.org/2001/XMLSchema-instance" xmlns:pc="http://schemas.microsoft.com/office/infopath/2007/PartnerControls">
   <documentManagement>
@@ -10067,14 +10094,6 @@
 </file>
 
 <file path=customXml/itemProps1.xml><?xml version="1.0" encoding="utf-8"?>
-<ds:datastoreItem xmlns:ds="http://schemas.openxmlformats.org/officeDocument/2006/customXml" ds:itemID="{4851F584-0C02-4568-87AB-AEDAE51E7190}">
-  <ds:schemaRefs>
-    <ds:schemaRef ds:uri="http://schemas.microsoft.com/sharepoint/v3/contenttype/forms"/>
-  </ds:schemaRefs>
-</ds:datastoreItem>
-</file>
-
-<file path=customXml/itemProps2.xml><?xml version="1.0" encoding="utf-8"?>
 <ds:datastoreItem xmlns:ds="http://schemas.openxmlformats.org/officeDocument/2006/customXml" ds:itemID="{52442DC0-8D7E-44CF-88A8-DC3C43FAAA2E}">
   <ds:schemaRefs>
     <ds:schemaRef ds:uri="http://schemas.microsoft.com/office/2006/metadata/contentType"/>
@@ -10093,19 +10112,27 @@
 </ds:datastoreItem>
 </file>
 
+<file path=customXml/itemProps2.xml><?xml version="1.0" encoding="utf-8"?>
+<ds:datastoreItem xmlns:ds="http://schemas.openxmlformats.org/officeDocument/2006/customXml" ds:itemID="{4851F584-0C02-4568-87AB-AEDAE51E7190}">
+  <ds:schemaRefs>
+    <ds:schemaRef ds:uri="http://schemas.microsoft.com/sharepoint/v3/contenttype/forms"/>
+  </ds:schemaRefs>
+</ds:datastoreItem>
+</file>
+
 <file path=customXml/itemProps3.xml><?xml version="1.0" encoding="utf-8"?>
 <ds:datastoreItem xmlns:ds="http://schemas.openxmlformats.org/officeDocument/2006/customXml" ds:itemID="{B15D55CA-85CA-4EAF-94DA-87E57AB03099}">
   <ds:schemaRefs>
-    <ds:schemaRef ds:uri="e4bb5cbf-8c83-42e4-bd5f-dafa26919686"/>
+    <ds:schemaRef ds:uri="http://schemas.microsoft.com/office/2006/documentManagement/types"/>
+    <ds:schemaRef ds:uri="http://www.w3.org/XML/1998/namespace"/>
     <ds:schemaRef ds:uri="35db346a-91aa-4991-b16a-9c8655b9be6b"/>
-    <ds:schemaRef ds:uri="http://www.w3.org/XML/1998/namespace"/>
-    <ds:schemaRef ds:uri="http://schemas.microsoft.com/office/2006/documentManagement/types"/>
     <ds:schemaRef ds:uri="http://purl.org/dc/elements/1.1/"/>
     <ds:schemaRef ds:uri="http://schemas.microsoft.com/office/infopath/2007/PartnerControls"/>
-    <ds:schemaRef ds:uri="http://schemas.openxmlformats.org/package/2006/metadata/core-properties"/>
-    <ds:schemaRef ds:uri="http://schemas.microsoft.com/office/2006/metadata/properties"/>
     <ds:schemaRef ds:uri="http://purl.org/dc/dcmitype/"/>
     <ds:schemaRef ds:uri="http://purl.org/dc/terms/"/>
+    <ds:schemaRef ds:uri="http://schemas.openxmlformats.org/package/2006/metadata/core-properties"/>
+    <ds:schemaRef ds:uri="e4bb5cbf-8c83-42e4-bd5f-dafa26919686"/>
+    <ds:schemaRef ds:uri="http://schemas.microsoft.com/office/2006/metadata/properties"/>
   </ds:schemaRefs>
 </ds:datastoreItem>
 </file>